--- a/工作计划/测试平台.pptx
+++ b/工作计划/测试平台.pptx
@@ -27811,7 +27811,7 @@
                 </a:effectLst>
                 <a:sym typeface="+mn-ea"/>
               </a:rPr>
-              <a:t>app </a:t>
+              <a:t>app</a:t>
             </a:r>
             <a:endParaRPr lang="en-US" altLang="zh-CN" sz="2400" b="0" cap="none" spc="0" dirty="0">
               <a:ln w="0"/>
